--- a/Lottery dAPP.pptx
+++ b/Lottery dAPP.pptx
@@ -231,7 +231,7 @@
             <a:pPr rtl="0"/>
             <a:fld id="{35CEB73A-EAD8-4600-A937-149261040EA7}" type="datetime1">
               <a:rPr lang="it-IT" smtClean="0"/>
-              <a:t>09/09/2023</a:t>
+              <a:t>17/09/2023</a:t>
             </a:fld>
             <a:endParaRPr lang="it-IT"/>
           </a:p>
@@ -401,7 +401,7 @@
             <a:pPr rtl="0"/>
             <a:fld id="{09578EB8-0800-413D-B171-4C9FED7732A0}" type="datetime1">
               <a:rPr lang="it-IT" noProof="0" smtClean="0"/>
-              <a:t>09/09/2023</a:t>
+              <a:t>17/09/2023</a:t>
             </a:fld>
             <a:endParaRPr lang="it-IT" noProof="0"/>
           </a:p>
@@ -9466,7 +9466,7 @@
             <a:pPr rtl="0"/>
             <a:fld id="{B38DECDD-C56B-4B99-815C-4DC374BD0502}" type="datetime1">
               <a:rPr lang="it-IT" noProof="0" smtClean="0"/>
-              <a:t>09/09/2023</a:t>
+              <a:t>17/09/2023</a:t>
             </a:fld>
             <a:endParaRPr lang="it-IT" noProof="0"/>
           </a:p>
@@ -9670,7 +9670,7 @@
             <a:pPr rtl="0"/>
             <a:fld id="{A91270D5-CA2E-4CCE-B3E3-1ED4C617F5FD}" type="datetime1">
               <a:rPr lang="it-IT" noProof="0" smtClean="0"/>
-              <a:t>09/09/2023</a:t>
+              <a:t>17/09/2023</a:t>
             </a:fld>
             <a:endParaRPr lang="it-IT" noProof="0"/>
           </a:p>
@@ -9847,7 +9847,7 @@
             <a:pPr rtl="0"/>
             <a:fld id="{3AD02021-081D-4BCD-8619-111A80C86AA4}" type="datetime1">
               <a:rPr lang="it-IT" noProof="0" smtClean="0"/>
-              <a:t>09/09/2023</a:t>
+              <a:t>17/09/2023</a:t>
             </a:fld>
             <a:endParaRPr lang="it-IT" noProof="0"/>
           </a:p>
@@ -10049,7 +10049,7 @@
             <a:pPr rtl="0"/>
             <a:fld id="{FC2CFC9B-8199-4464-9645-214B6EFF3046}" type="datetime1">
               <a:rPr lang="it-IT" noProof="0" smtClean="0"/>
-              <a:t>09/09/2023</a:t>
+              <a:t>17/09/2023</a:t>
             </a:fld>
             <a:endParaRPr lang="it-IT" noProof="0"/>
           </a:p>
@@ -18945,7 +18945,7 @@
             <a:pPr rtl="0"/>
             <a:fld id="{268EC901-D7B4-418A-90B0-E5FCBA6FFEA7}" type="datetime1">
               <a:rPr lang="it-IT" noProof="0" smtClean="0"/>
-              <a:t>09/09/2023</a:t>
+              <a:t>17/09/2023</a:t>
             </a:fld>
             <a:endParaRPr lang="it-IT" noProof="0"/>
           </a:p>
@@ -19215,7 +19215,7 @@
             <a:pPr rtl="0"/>
             <a:fld id="{D1B961D9-E81B-44AF-B812-435DD72BA78F}" type="datetime1">
               <a:rPr lang="it-IT" noProof="0" smtClean="0"/>
-              <a:t>09/09/2023</a:t>
+              <a:t>17/09/2023</a:t>
             </a:fld>
             <a:endParaRPr lang="it-IT" noProof="0"/>
           </a:p>
@@ -19609,7 +19609,7 @@
             <a:pPr rtl="0"/>
             <a:fld id="{C3FF653A-F944-4ACA-BE4F-5261464A4CE1}" type="datetime1">
               <a:rPr lang="it-IT" noProof="0" smtClean="0"/>
-              <a:t>09/09/2023</a:t>
+              <a:t>17/09/2023</a:t>
             </a:fld>
             <a:endParaRPr lang="it-IT" noProof="0"/>
           </a:p>
@@ -19725,7 +19725,7 @@
             <a:pPr rtl="0"/>
             <a:fld id="{00B835D5-4872-4F83-9549-4195BD19C9E7}" type="datetime1">
               <a:rPr lang="it-IT" noProof="0" smtClean="0"/>
-              <a:t>09/09/2023</a:t>
+              <a:t>17/09/2023</a:t>
             </a:fld>
             <a:endParaRPr lang="it-IT" noProof="0"/>
           </a:p>
@@ -19818,7 +19818,7 @@
             <a:pPr rtl="0"/>
             <a:fld id="{285AFA1D-B403-4233-93F5-9C17BC134037}" type="datetime1">
               <a:rPr lang="it-IT" noProof="0" smtClean="0"/>
-              <a:t>09/09/2023</a:t>
+              <a:t>17/09/2023</a:t>
             </a:fld>
             <a:endParaRPr lang="it-IT" noProof="0"/>
           </a:p>
@@ -20105,7 +20105,7 @@
             <a:pPr rtl="0"/>
             <a:fld id="{C0037F34-7F89-47FC-B829-DD18E8CE430E}" type="datetime1">
               <a:rPr lang="it-IT" noProof="0" smtClean="0"/>
-              <a:t>09/09/2023</a:t>
+              <a:t>17/09/2023</a:t>
             </a:fld>
             <a:endParaRPr lang="it-IT" noProof="0"/>
           </a:p>
@@ -20383,7 +20383,7 @@
             <a:pPr rtl="0"/>
             <a:fld id="{E2945EFA-1B37-428A-B390-4F21411152A4}" type="datetime1">
               <a:rPr lang="it-IT" noProof="0" smtClean="0"/>
-              <a:t>09/09/2023</a:t>
+              <a:t>17/09/2023</a:t>
             </a:fld>
             <a:endParaRPr lang="it-IT" noProof="0"/>
           </a:p>
@@ -20630,7 +20630,7 @@
             <a:pPr rtl="0"/>
             <a:fld id="{A6877D91-AE2A-4013-A171-54DDAEEA4374}" type="datetime1">
               <a:rPr lang="it-IT" noProof="0" smtClean="0"/>
-              <a:t>09/09/2023</a:t>
+              <a:t>17/09/2023</a:t>
             </a:fld>
             <a:endParaRPr lang="it-IT" noProof="0"/>
           </a:p>
@@ -23884,7 +23884,7 @@
         <p:spPr>
           <a:xfrm>
             <a:off x="690463" y="1903444"/>
-            <a:ext cx="11284987" cy="4708981"/>
+            <a:ext cx="11284987" cy="4478149"/>
           </a:xfrm>
           <a:prstGeom prst="rect">
             <a:avLst/>
@@ -24043,7 +24043,7 @@
                 <a:ea typeface="Times New Roman" panose="02020603050405020304" pitchFamily="18" charset="0"/>
                 <a:cs typeface="Poppins" panose="00000500000000000000" pitchFamily="2" charset="0"/>
               </a:rPr>
-              <a:t>I giocatori ("Giocatore1", " Giocatore2", ecc.) acquistano i biglietti della lotteria e le loro probabilità di vincita alla lotteria sono direttamente correlate alla proporzione del totale dei biglietti in sospeso che detengono per quella lotteria. </a:t>
+              <a:t>I giocatori ("Giocatore1", " Giocatore2", ecc.) acquistano i biglietti della lotteria e le loro probabilità di vincita sono direttamente correlate alla proporzione del totale dei biglietti in sospeso che detengono per quella lotteria. </a:t>
             </a:r>
           </a:p>
           <a:p>
@@ -29821,6 +29821,15 @@
 </file>
 
 <file path=customXml/item1.xml><?xml version="1.0" encoding="utf-8"?>
+<?mso-contentType ?>
+<FormTemplates xmlns="http://schemas.microsoft.com/sharepoint/v3/contenttype/forms">
+  <Display>DocumentLibraryForm</Display>
+  <Edit>DocumentLibraryForm</Edit>
+  <New>DocumentLibraryForm</New>
+</FormTemplates>
+</file>
+
+<file path=customXml/item2.xml><?xml version="1.0" encoding="utf-8"?>
 <ct:contentTypeSchema xmlns:ct="http://schemas.microsoft.com/office/2006/metadata/contentType" xmlns:ma="http://schemas.microsoft.com/office/2006/metadata/properties/metaAttributes" ct:_="" ma:_="" ma:contentTypeName="Document" ma:contentTypeID="0x01010079F111ED35F8CC479449609E8A0923A6" ma:contentTypeVersion="11" ma:contentTypeDescription="Create a new document." ma:contentTypeScope="" ma:versionID="9677210f24a1be23c92c90fd886aa0aa">
   <xsd:schema xmlns:xsd="http://www.w3.org/2001/XMLSchema" xmlns:xs="http://www.w3.org/2001/XMLSchema" xmlns:p="http://schemas.microsoft.com/office/2006/metadata/properties" xmlns:ns2="71af3243-3dd4-4a8d-8c0d-dd76da1f02a5" xmlns:ns3="16c05727-aa75-4e4a-9b5f-8a80a1165891" targetNamespace="http://schemas.microsoft.com/office/2006/metadata/properties" ma:root="true" ma:fieldsID="60e05723c5c1908df1a1a4ebf11d344e" ns2:_="" ns3:_="">
     <xsd:import namespace="71af3243-3dd4-4a8d-8c0d-dd76da1f02a5"/>
@@ -30031,15 +30040,6 @@
 </ct:contentTypeSchema>
 </file>
 
-<file path=customXml/item2.xml><?xml version="1.0" encoding="utf-8"?>
-<?mso-contentType ?>
-<FormTemplates xmlns="http://schemas.microsoft.com/sharepoint/v3/contenttype/forms">
-  <Display>DocumentLibraryForm</Display>
-  <Edit>DocumentLibraryForm</Edit>
-  <New>DocumentLibraryForm</New>
-</FormTemplates>
-</file>
-
 <file path=customXml/item3.xml><?xml version="1.0" encoding="utf-8"?>
 <p:properties xmlns:p="http://schemas.microsoft.com/office/2006/metadata/properties" xmlns:xsi="http://www.w3.org/2001/XMLSchema-instance" xmlns:pc="http://schemas.microsoft.com/office/infopath/2007/PartnerControls">
   <documentManagement>
@@ -30049,6 +30049,14 @@
 </file>
 
 <file path=customXml/itemProps1.xml><?xml version="1.0" encoding="utf-8"?>
+<ds:datastoreItem xmlns:ds="http://schemas.openxmlformats.org/officeDocument/2006/customXml" ds:itemID="{4F44C90D-2A62-4985-9618-3460247437B1}">
+  <ds:schemaRefs>
+    <ds:schemaRef ds:uri="http://schemas.microsoft.com/sharepoint/v3/contenttype/forms"/>
+  </ds:schemaRefs>
+</ds:datastoreItem>
+</file>
+
+<file path=customXml/itemProps2.xml><?xml version="1.0" encoding="utf-8"?>
 <ds:datastoreItem xmlns:ds="http://schemas.openxmlformats.org/officeDocument/2006/customXml" ds:itemID="{B61EAB5F-88FC-4FAE-AE3C-037A3C365EB8}">
   <ds:schemaRefs>
     <ds:schemaRef ds:uri="http://schemas.microsoft.com/office/2006/metadata/contentType"/>
@@ -30068,14 +30076,6 @@
 </ds:datastoreItem>
 </file>
 
-<file path=customXml/itemProps2.xml><?xml version="1.0" encoding="utf-8"?>
-<ds:datastoreItem xmlns:ds="http://schemas.openxmlformats.org/officeDocument/2006/customXml" ds:itemID="{4F44C90D-2A62-4985-9618-3460247437B1}">
-  <ds:schemaRefs>
-    <ds:schemaRef ds:uri="http://schemas.microsoft.com/sharepoint/v3/contenttype/forms"/>
-  </ds:schemaRefs>
-</ds:datastoreItem>
-</file>
-
 <file path=customXml/itemProps3.xml><?xml version="1.0" encoding="utf-8"?>
 <ds:datastoreItem xmlns:ds="http://schemas.openxmlformats.org/officeDocument/2006/customXml" ds:itemID="{788A2F88-55C5-4ED1-9541-807C65424763}">
   <ds:schemaRefs>
